--- a/test/out/Traducido_ca_PRUEBA 2.pptx
+++ b/test/out/Traducido_ca_PRUEBA 2.pptx
@@ -306,7 +306,7 @@
           <a:p>
             <a:fld id="{5BCAD085-E8A6-8845-BD4E-CB4CCA059FC4}" type="datetimeFigureOut">
               <a:rPr lang="en-US" smtClean="0"/>
-              <a:t>8/27/2024</a:t>
+              <a:t>8/28/2024</a:t>
             </a:fld>
             <a:endParaRPr lang="en-US"/>
           </a:p>
@@ -474,7 +474,7 @@
           <a:p>
             <a:fld id="{5BCAD085-E8A6-8845-BD4E-CB4CCA059FC4}" type="datetimeFigureOut">
               <a:rPr lang="en-US" smtClean="0"/>
-              <a:t>8/27/2024</a:t>
+              <a:t>8/28/2024</a:t>
             </a:fld>
             <a:endParaRPr lang="en-US"/>
           </a:p>
@@ -652,7 +652,7 @@
           <a:p>
             <a:fld id="{5BCAD085-E8A6-8845-BD4E-CB4CCA059FC4}" type="datetimeFigureOut">
               <a:rPr lang="en-US" smtClean="0"/>
-              <a:t>8/27/2024</a:t>
+              <a:t>8/28/2024</a:t>
             </a:fld>
             <a:endParaRPr lang="en-US"/>
           </a:p>
@@ -820,7 +820,7 @@
           <a:p>
             <a:fld id="{5BCAD085-E8A6-8845-BD4E-CB4CCA059FC4}" type="datetimeFigureOut">
               <a:rPr lang="en-US" smtClean="0"/>
-              <a:t>8/27/2024</a:t>
+              <a:t>8/28/2024</a:t>
             </a:fld>
             <a:endParaRPr lang="en-US"/>
           </a:p>
@@ -1065,7 +1065,7 @@
           <a:p>
             <a:fld id="{5BCAD085-E8A6-8845-BD4E-CB4CCA059FC4}" type="datetimeFigureOut">
               <a:rPr lang="en-US" smtClean="0"/>
-              <a:t>8/27/2024</a:t>
+              <a:t>8/28/2024</a:t>
             </a:fld>
             <a:endParaRPr lang="en-US"/>
           </a:p>
@@ -1350,7 +1350,7 @@
           <a:p>
             <a:fld id="{5BCAD085-E8A6-8845-BD4E-CB4CCA059FC4}" type="datetimeFigureOut">
               <a:rPr lang="en-US" smtClean="0"/>
-              <a:t>8/27/2024</a:t>
+              <a:t>8/28/2024</a:t>
             </a:fld>
             <a:endParaRPr lang="en-US"/>
           </a:p>
@@ -1769,7 +1769,7 @@
           <a:p>
             <a:fld id="{5BCAD085-E8A6-8845-BD4E-CB4CCA059FC4}" type="datetimeFigureOut">
               <a:rPr lang="en-US" smtClean="0"/>
-              <a:t>8/27/2024</a:t>
+              <a:t>8/28/2024</a:t>
             </a:fld>
             <a:endParaRPr lang="en-US"/>
           </a:p>
@@ -1886,7 +1886,7 @@
           <a:p>
             <a:fld id="{5BCAD085-E8A6-8845-BD4E-CB4CCA059FC4}" type="datetimeFigureOut">
               <a:rPr lang="en-US" smtClean="0"/>
-              <a:t>8/27/2024</a:t>
+              <a:t>8/28/2024</a:t>
             </a:fld>
             <a:endParaRPr lang="en-US"/>
           </a:p>
@@ -1981,7 +1981,7 @@
           <a:p>
             <a:fld id="{5BCAD085-E8A6-8845-BD4E-CB4CCA059FC4}" type="datetimeFigureOut">
               <a:rPr lang="en-US" smtClean="0"/>
-              <a:t>8/27/2024</a:t>
+              <a:t>8/28/2024</a:t>
             </a:fld>
             <a:endParaRPr lang="en-US"/>
           </a:p>
@@ -2256,7 +2256,7 @@
           <a:p>
             <a:fld id="{5BCAD085-E8A6-8845-BD4E-CB4CCA059FC4}" type="datetimeFigureOut">
               <a:rPr lang="en-US" smtClean="0"/>
-              <a:t>8/27/2024</a:t>
+              <a:t>8/28/2024</a:t>
             </a:fld>
             <a:endParaRPr lang="en-US"/>
           </a:p>
@@ -2508,7 +2508,7 @@
           <a:p>
             <a:fld id="{5BCAD085-E8A6-8845-BD4E-CB4CCA059FC4}" type="datetimeFigureOut">
               <a:rPr lang="en-US" smtClean="0"/>
-              <a:t>8/27/2024</a:t>
+              <a:t>8/28/2024</a:t>
             </a:fld>
             <a:endParaRPr lang="en-US"/>
           </a:p>
@@ -2719,7 +2719,7 @@
           <a:p>
             <a:fld id="{5BCAD085-E8A6-8845-BD4E-CB4CCA059FC4}" type="datetimeFigureOut">
               <a:rPr lang="en-US" smtClean="0"/>
-              <a:t>8/27/2024</a:t>
+              <a:t>8/28/2024</a:t>
             </a:fld>
             <a:endParaRPr lang="en-US"/>
           </a:p>
@@ -3134,8 +3134,10 @@
           <a:lstStyle/>
           <a:p>
             <a:r>
-              <a:rPr>
-                <a:solidFill/>
+              <a:rPr b="1" i="1">
+                <a:solidFill>
+                  <a:schemeClr val="tx2"/>
+                </a:solidFill>
               </a:rPr>
               <a:t>Resum Executiu</a:t>
             </a:r>
@@ -3230,13 +3232,13 @@
                   <a:srgbClr val="FFFF00"/>
                 </a:highlight>
               </a:rPr>
-              <a:t>mercado als últims anys</a:t>
+              <a:t>mercat en els últims anys</a:t>
             </a:r>
             <a:r>
               <a:rPr lang="es-ES" sz="1800">
                 <a:solidFill/>
               </a:rPr>
-              <a:t> ha estat marcada per la digitalització i el canvi en les preferències del consumidor. Aquest anàlisi presenta les tendències actals i projecta el creixement esperat pel proper any.</a:t>
+              <a:t> ha estat marcada per la digitalització i el canvi en les preferències del consumidor. Aquest anàlisi presenta les tendències actuals i projecta el creixement esperat per al proper any.</a:t>
             </a:r>
           </a:p>
           <a:p>
@@ -3264,7 +3266,7 @@
               <a:rPr sz="1800">
                 <a:solidFill/>
               </a:rPr>
-              <a:t> de la enquesta indiquen que un 85% dels </a:t>
+              <a:t> de l'enquesta indiquen que un 85% dels </a:t>
             </a:r>
             <a:r>
               <a:rPr sz="1800">
@@ -3278,7 +3280,7 @@
               <a:rPr sz="1800">
                 <a:solidFill/>
               </a:rPr>
-              <a:t>Amb els nostres productes, però existeix una oportunitat de millora en el servei post-ventge, on només el 60% informa d'una experiència positiva.</a:t>
+              <a:t>amb els nostres productes, però existeix una oportunitat de millora en el servei postvenda, on només el 60% reporta una experiència positiva.</a:t>
             </a:r>
           </a:p>
         </p:txBody>
@@ -3490,7 +3492,19 @@
               <a:rPr>
                 <a:solidFill/>
               </a:rPr>
-              <a:t>Estrategies Propuestas</a:t>
+              <a:t>Estratègies </a:t>
+            </a:r>
+            <a:r>
+              <a:rPr lang="es-ES">
+                <a:solidFill/>
+              </a:rPr>
+              <a:t>p</a:t>
+            </a:r>
+            <a:r>
+              <a:rPr>
+                <a:solidFill/>
+              </a:rPr>
+              <a:t>roposes</a:t>
             </a:r>
           </a:p>
         </p:txBody>
@@ -3524,7 +3538,7 @@
               <a:rPr sz="1800">
                 <a:solidFill/>
               </a:rPr>
-              <a:t>Per arribar els objectius de </a:t>
+              <a:t>Per assolir els objectius de </a:t>
             </a:r>
             <a:r>
               <a:rPr sz="2400">
@@ -3536,7 +3550,7 @@
               <a:rPr sz="1800">
                 <a:solidFill/>
               </a:rPr>
-              <a:t>, es proposa una inversió en noves tecnologies, així com l'expansió a mercats emergents, el que podria incrementar els ingressos en un 20% durant els tres mesos venidors.</a:t>
+              <a:t>, es proposa una inversió en noves tecnologies, així com l'expansió a mercats emergents, cosa que podria incrementar els ingressos en un 20% durant els propers tres anys.</a:t>
             </a:r>
           </a:p>
         </p:txBody>
@@ -3599,7 +3613,7 @@
           <p:nvPr>
             <p:extLst>
               <p:ext uri="{D42A27DB-BD31-4B8C-83A1-F6EECF244321}">
-                <p14:modId xmlns:p14="http://schemas.microsoft.com/office/powerpoint/2010/main" val="3753146883"/>
+                <p14:modId xmlns:p14="http://schemas.microsoft.com/office/powerpoint/2010/main" val="1090122816"/>
               </p:ext>
             </p:extLst>
           </p:nvPr>
@@ -3615,14 +3629,14 @@
                 <a:tableStyleId>{5C22544A-7EE6-4342-B048-85BDC9FD1C3A}</a:tableStyleId>
               </a:tblPr>
               <a:tblGrid>
-                <a:gridCol w="2743200">
+                <a:gridCol w="3426542">
                   <a:extLst>
                     <a:ext uri="{9D8B030D-6E8A-4147-A177-3AD203B41FA5}">
                       <a16:colId xmlns:a16="http://schemas.microsoft.com/office/drawing/2014/main" val="20000"/>
                     </a:ext>
                   </a:extLst>
                 </a:gridCol>
-                <a:gridCol w="2743200">
+                <a:gridCol w="2059858">
                   <a:extLst>
                     <a:ext uri="{9D8B030D-6E8A-4147-A177-3AD203B41FA5}">
                       <a16:colId xmlns:a16="http://schemas.microsoft.com/office/drawing/2014/main" val="20001"/>
@@ -3674,10 +3688,16 @@
                     <a:lstStyle/>
                     <a:p>
                       <a:r>
+                        <a:rPr lang="es-ES">
+                          <a:solidFill/>
+                        </a:rPr>
+                        <a:t>Increment</a:t>
+                      </a:r>
+                      <a:r>
                         <a:rPr>
                           <a:solidFill/>
                         </a:rPr>
-                        <a:t>reciment (%)</a:t>
+                        <a:t> (%)</a:t>
                       </a:r>
                     </a:p>
                   </a:txBody>
@@ -3699,7 +3719,19 @@
                         <a:rPr>
                           <a:solidFill/>
                         </a:rPr>
-                        <a:t>Norteamérica</a:t>
+                        <a:t>Nord</a:t>
+                      </a:r>
+                      <a:r>
+                        <a:rPr lang="es-ES">
+                          <a:solidFill/>
+                        </a:rPr>
+                        <a:t>-</a:t>
+                      </a:r>
+                      <a:r>
+                        <a:rPr>
+                          <a:solidFill/>
+                        </a:rPr>
+                        <a:t>Amèrica</a:t>
                       </a:r>
                     </a:p>
                   </a:txBody>
@@ -3751,7 +3783,7 @@
                         <a:rPr>
                           <a:solidFill/>
                         </a:rPr>
-                        <a:t>Europa</a:t>
+                        <a:t>Euròpa</a:t>
                       </a:r>
                     </a:p>
                   </a:txBody>
@@ -3864,13 +3896,18 @@
                     <a:lstStyle/>
                     <a:p>
                       <a:r>
-                        <a:rPr>
+                        <a:rPr lang="es-ES">
                           <a:solidFill>
                             <a:srgbClr val="FF0000"/>
                           </a:solidFill>
                         </a:rPr>
-                        <a:t>Latinoamérica</a:t>
+                        <a:t>Los bonitos campos de Rellinars</a:t>
                       </a:r>
+                      <a:endParaRPr>
+                        <a:solidFill>
+                          <a:srgbClr val="FF0000"/>
+                        </a:solidFill>
+                      </a:endParaRPr>
                     </a:p>
                   </a:txBody>
                   <a:tcPr/>
@@ -4072,7 +4109,7 @@
               <a:rPr sz="2000">
                 <a:solidFill/>
               </a:rPr>
-              <a:t>la implementació d'aquestes estratègies permetrà a l'empresa no sols mantenir-se competitiva en el </a:t>
+              <a:t>l'implementació d'aquestes estratègies permetrà a l'empresa no sols mantenir-se competitiva en el </a:t>
             </a:r>
             <a:r>
               <a:rPr sz="2000">
